--- a/img/figures.pptx
+++ b/img/figures.pptx
@@ -6,6 +6,7 @@
   </p:sldMasterIdLst>
   <p:sldIdLst>
     <p:sldId id="256" r:id="rId2"/>
+    <p:sldId id="257" r:id="rId3"/>
   </p:sldIdLst>
   <p:sldSz cx="12192000" cy="6858000"/>
   <p:notesSz cx="6858000" cy="9144000"/>
@@ -104,6 +105,11 @@
       </a:defRPr>
     </a:lvl9pPr>
   </p:defaultTextStyle>
+  <p:extLst>
+    <p:ext uri="{EFAFB233-063F-42B5-8137-9DF3F51BA10A}">
+      <p15:sldGuideLst xmlns:p15="http://schemas.microsoft.com/office/powerpoint/2012/main"/>
+    </p:ext>
+  </p:extLst>
 </p:presentation>
 </file>
 
@@ -254,7 +260,7 @@
           <a:p>
             <a:fld id="{249D3701-E3FE-324B-A2D1-329233C18D3F}" type="datetimeFigureOut">
               <a:rPr lang="en-US" smtClean="0"/>
-              <a:t>10/15/20</a:t>
+              <a:t>2/18/2021</a:t>
             </a:fld>
             <a:endParaRPr lang="en-US"/>
           </a:p>
@@ -452,7 +458,7 @@
           <a:p>
             <a:fld id="{249D3701-E3FE-324B-A2D1-329233C18D3F}" type="datetimeFigureOut">
               <a:rPr lang="en-US" smtClean="0"/>
-              <a:t>10/15/20</a:t>
+              <a:t>2/18/2021</a:t>
             </a:fld>
             <a:endParaRPr lang="en-US"/>
           </a:p>
@@ -660,7 +666,7 @@
           <a:p>
             <a:fld id="{249D3701-E3FE-324B-A2D1-329233C18D3F}" type="datetimeFigureOut">
               <a:rPr lang="en-US" smtClean="0"/>
-              <a:t>10/15/20</a:t>
+              <a:t>2/18/2021</a:t>
             </a:fld>
             <a:endParaRPr lang="en-US"/>
           </a:p>
@@ -858,7 +864,7 @@
           <a:p>
             <a:fld id="{249D3701-E3FE-324B-A2D1-329233C18D3F}" type="datetimeFigureOut">
               <a:rPr lang="en-US" smtClean="0"/>
-              <a:t>10/15/20</a:t>
+              <a:t>2/18/2021</a:t>
             </a:fld>
             <a:endParaRPr lang="en-US"/>
           </a:p>
@@ -1133,7 +1139,7 @@
           <a:p>
             <a:fld id="{249D3701-E3FE-324B-A2D1-329233C18D3F}" type="datetimeFigureOut">
               <a:rPr lang="en-US" smtClean="0"/>
-              <a:t>10/15/20</a:t>
+              <a:t>2/18/2021</a:t>
             </a:fld>
             <a:endParaRPr lang="en-US"/>
           </a:p>
@@ -1398,7 +1404,7 @@
           <a:p>
             <a:fld id="{249D3701-E3FE-324B-A2D1-329233C18D3F}" type="datetimeFigureOut">
               <a:rPr lang="en-US" smtClean="0"/>
-              <a:t>10/15/20</a:t>
+              <a:t>2/18/2021</a:t>
             </a:fld>
             <a:endParaRPr lang="en-US"/>
           </a:p>
@@ -1810,7 +1816,7 @@
           <a:p>
             <a:fld id="{249D3701-E3FE-324B-A2D1-329233C18D3F}" type="datetimeFigureOut">
               <a:rPr lang="en-US" smtClean="0"/>
-              <a:t>10/15/20</a:t>
+              <a:t>2/18/2021</a:t>
             </a:fld>
             <a:endParaRPr lang="en-US"/>
           </a:p>
@@ -1951,7 +1957,7 @@
           <a:p>
             <a:fld id="{249D3701-E3FE-324B-A2D1-329233C18D3F}" type="datetimeFigureOut">
               <a:rPr lang="en-US" smtClean="0"/>
-              <a:t>10/15/20</a:t>
+              <a:t>2/18/2021</a:t>
             </a:fld>
             <a:endParaRPr lang="en-US"/>
           </a:p>
@@ -2064,7 +2070,7 @@
           <a:p>
             <a:fld id="{249D3701-E3FE-324B-A2D1-329233C18D3F}" type="datetimeFigureOut">
               <a:rPr lang="en-US" smtClean="0"/>
-              <a:t>10/15/20</a:t>
+              <a:t>2/18/2021</a:t>
             </a:fld>
             <a:endParaRPr lang="en-US"/>
           </a:p>
@@ -2375,7 +2381,7 @@
           <a:p>
             <a:fld id="{249D3701-E3FE-324B-A2D1-329233C18D3F}" type="datetimeFigureOut">
               <a:rPr lang="en-US" smtClean="0"/>
-              <a:t>10/15/20</a:t>
+              <a:t>2/18/2021</a:t>
             </a:fld>
             <a:endParaRPr lang="en-US"/>
           </a:p>
@@ -2663,7 +2669,7 @@
           <a:p>
             <a:fld id="{249D3701-E3FE-324B-A2D1-329233C18D3F}" type="datetimeFigureOut">
               <a:rPr lang="en-US" smtClean="0"/>
-              <a:t>10/15/20</a:t>
+              <a:t>2/18/2021</a:t>
             </a:fld>
             <a:endParaRPr lang="en-US"/>
           </a:p>
@@ -2904,7 +2910,7 @@
           <a:p>
             <a:fld id="{249D3701-E3FE-324B-A2D1-329233C18D3F}" type="datetimeFigureOut">
               <a:rPr lang="en-US" smtClean="0"/>
-              <a:t>10/15/20</a:t>
+              <a:t>2/18/2021</a:t>
             </a:fld>
             <a:endParaRPr lang="en-US"/>
           </a:p>
@@ -4295,6 +4301,1664 @@
 </p:sld>
 </file>
 
+<file path=ppt/slides/slide2.xml><?xml version="1.0" encoding="utf-8"?>
+<p:sld xmlns:a="http://schemas.openxmlformats.org/drawingml/2006/main" xmlns:r="http://schemas.openxmlformats.org/officeDocument/2006/relationships" xmlns:p="http://schemas.openxmlformats.org/presentationml/2006/main">
+  <p:cSld>
+    <p:spTree>
+      <p:nvGrpSpPr>
+        <p:cNvPr id="1" name=""/>
+        <p:cNvGrpSpPr/>
+        <p:nvPr/>
+      </p:nvGrpSpPr>
+      <p:grpSpPr>
+        <a:xfrm>
+          <a:off x="0" y="0"/>
+          <a:ext cx="0" cy="0"/>
+          <a:chOff x="0" y="0"/>
+          <a:chExt cx="0" cy="0"/>
+        </a:xfrm>
+      </p:grpSpPr>
+      <p:graphicFrame>
+        <p:nvGraphicFramePr>
+          <p:cNvPr id="4" name="Table 4">
+            <a:extLst>
+              <a:ext uri="{FF2B5EF4-FFF2-40B4-BE49-F238E27FC236}">
+                <a16:creationId xmlns:a16="http://schemas.microsoft.com/office/drawing/2014/main" id="{640AE5A5-E790-4ECE-9B5D-2CD4912777F6}"/>
+              </a:ext>
+            </a:extLst>
+          </p:cNvPr>
+          <p:cNvGraphicFramePr>
+            <a:graphicFrameLocks noGrp="1"/>
+          </p:cNvGraphicFramePr>
+          <p:nvPr>
+            <p:extLst>
+              <p:ext uri="{D42A27DB-BD31-4B8C-83A1-F6EECF244321}">
+                <p14:modId xmlns:p14="http://schemas.microsoft.com/office/powerpoint/2010/main" val="1590211671"/>
+              </p:ext>
+            </p:extLst>
+          </p:nvPr>
+        </p:nvGraphicFramePr>
+        <p:xfrm>
+          <a:off x="666416" y="845997"/>
+          <a:ext cx="4670425" cy="1854200"/>
+        </p:xfrm>
+        <a:graphic>
+          <a:graphicData uri="http://schemas.openxmlformats.org/drawingml/2006/table">
+            <a:tbl>
+              <a:tblPr firstRow="1" firstCol="1">
+                <a:tableStyleId>{073A0DAA-6AF3-43AB-8588-CEC1D06C72B9}</a:tableStyleId>
+              </a:tblPr>
+              <a:tblGrid>
+                <a:gridCol w="817880">
+                  <a:extLst>
+                    <a:ext uri="{9D8B030D-6E8A-4147-A177-3AD203B41FA5}">
+                      <a16:colId xmlns:a16="http://schemas.microsoft.com/office/drawing/2014/main" val="450109605"/>
+                    </a:ext>
+                  </a:extLst>
+                </a:gridCol>
+                <a:gridCol w="1122680">
+                  <a:extLst>
+                    <a:ext uri="{9D8B030D-6E8A-4147-A177-3AD203B41FA5}">
+                      <a16:colId xmlns:a16="http://schemas.microsoft.com/office/drawing/2014/main" val="3479735736"/>
+                    </a:ext>
+                  </a:extLst>
+                </a:gridCol>
+                <a:gridCol w="1122680">
+                  <a:extLst>
+                    <a:ext uri="{9D8B030D-6E8A-4147-A177-3AD203B41FA5}">
+                      <a16:colId xmlns:a16="http://schemas.microsoft.com/office/drawing/2014/main" val="2746486020"/>
+                    </a:ext>
+                  </a:extLst>
+                </a:gridCol>
+                <a:gridCol w="474980">
+                  <a:extLst>
+                    <a:ext uri="{9D8B030D-6E8A-4147-A177-3AD203B41FA5}">
+                      <a16:colId xmlns:a16="http://schemas.microsoft.com/office/drawing/2014/main" val="1386069138"/>
+                    </a:ext>
+                  </a:extLst>
+                </a:gridCol>
+                <a:gridCol w="1132205">
+                  <a:extLst>
+                    <a:ext uri="{9D8B030D-6E8A-4147-A177-3AD203B41FA5}">
+                      <a16:colId xmlns:a16="http://schemas.microsoft.com/office/drawing/2014/main" val="166882655"/>
+                    </a:ext>
+                  </a:extLst>
+                </a:gridCol>
+              </a:tblGrid>
+              <a:tr h="370840">
+                <a:tc>
+                  <a:txBody>
+                    <a:bodyPr/>
+                    <a:lstStyle/>
+                    <a:p>
+                      <a:pPr algn="ctr"/>
+                      <a:r>
+                        <a:rPr lang="en-US" dirty="0"/>
+                        <a:t>Gene</a:t>
+                      </a:r>
+                    </a:p>
+                  </a:txBody>
+                  <a:tcPr/>
+                </a:tc>
+                <a:tc>
+                  <a:txBody>
+                    <a:bodyPr/>
+                    <a:lstStyle/>
+                    <a:p>
+                      <a:pPr algn="ctr"/>
+                      <a:r>
+                        <a:rPr lang="en-US" dirty="0"/>
+                        <a:t>Sample</a:t>
+                      </a:r>
+                      <a:r>
+                        <a:rPr lang="en-US" baseline="-25000" dirty="0"/>
+                        <a:t>1</a:t>
+                      </a:r>
+                    </a:p>
+                  </a:txBody>
+                  <a:tcPr/>
+                </a:tc>
+                <a:tc>
+                  <a:txBody>
+                    <a:bodyPr/>
+                    <a:lstStyle/>
+                    <a:p>
+                      <a:pPr marL="0" marR="0" lvl="0" indent="0" algn="ctr" defTabSz="914400" rtl="0" eaLnBrk="1" fontAlgn="auto" latinLnBrk="0" hangingPunct="1">
+                        <a:lnSpc>
+                          <a:spcPct val="100000"/>
+                        </a:lnSpc>
+                        <a:spcBef>
+                          <a:spcPts val="0"/>
+                        </a:spcBef>
+                        <a:spcAft>
+                          <a:spcPts val="0"/>
+                        </a:spcAft>
+                        <a:buClrTx/>
+                        <a:buSzTx/>
+                        <a:buFontTx/>
+                        <a:buNone/>
+                        <a:tabLst/>
+                        <a:defRPr/>
+                      </a:pPr>
+                      <a:r>
+                        <a:rPr lang="en-US" dirty="0"/>
+                        <a:t>Sample</a:t>
+                      </a:r>
+                      <a:r>
+                        <a:rPr lang="en-US" baseline="-25000" dirty="0"/>
+                        <a:t>2</a:t>
+                      </a:r>
+                    </a:p>
+                  </a:txBody>
+                  <a:tcPr/>
+                </a:tc>
+                <a:tc>
+                  <a:txBody>
+                    <a:bodyPr/>
+                    <a:lstStyle/>
+                    <a:p>
+                      <a:pPr algn="ctr"/>
+                      <a:r>
+                        <a:rPr lang="en-US" dirty="0"/>
+                        <a:t>…</a:t>
+                      </a:r>
+                    </a:p>
+                  </a:txBody>
+                  <a:tcPr/>
+                </a:tc>
+                <a:tc>
+                  <a:txBody>
+                    <a:bodyPr/>
+                    <a:lstStyle/>
+                    <a:p>
+                      <a:pPr marL="0" marR="0" lvl="0" indent="0" algn="ctr" defTabSz="914400" rtl="0" eaLnBrk="1" fontAlgn="auto" latinLnBrk="0" hangingPunct="1">
+                        <a:lnSpc>
+                          <a:spcPct val="100000"/>
+                        </a:lnSpc>
+                        <a:spcBef>
+                          <a:spcPts val="0"/>
+                        </a:spcBef>
+                        <a:spcAft>
+                          <a:spcPts val="0"/>
+                        </a:spcAft>
+                        <a:buClrTx/>
+                        <a:buSzTx/>
+                        <a:buFontTx/>
+                        <a:buNone/>
+                        <a:tabLst/>
+                        <a:defRPr/>
+                      </a:pPr>
+                      <a:r>
+                        <a:rPr lang="en-US" dirty="0" err="1"/>
+                        <a:t>Sample</a:t>
+                      </a:r>
+                      <a:r>
+                        <a:rPr lang="en-US" baseline="-25000" dirty="0" err="1"/>
+                        <a:t>n</a:t>
+                      </a:r>
+                      <a:endParaRPr lang="en-US" baseline="-25000" dirty="0"/>
+                    </a:p>
+                  </a:txBody>
+                  <a:tcPr/>
+                </a:tc>
+                <a:extLst>
+                  <a:ext uri="{0D108BD9-81ED-4DB2-BD59-A6C34878D82A}">
+                    <a16:rowId xmlns:a16="http://schemas.microsoft.com/office/drawing/2014/main" val="2805917629"/>
+                  </a:ext>
+                </a:extLst>
+              </a:tr>
+              <a:tr h="370840">
+                <a:tc>
+                  <a:txBody>
+                    <a:bodyPr/>
+                    <a:lstStyle/>
+                    <a:p>
+                      <a:pPr algn="ctr"/>
+                      <a:r>
+                        <a:rPr lang="en-US" dirty="0"/>
+                        <a:t>A</a:t>
+                      </a:r>
+                    </a:p>
+                  </a:txBody>
+                  <a:tcPr/>
+                </a:tc>
+                <a:tc>
+                  <a:txBody>
+                    <a:bodyPr/>
+                    <a:lstStyle/>
+                    <a:p>
+                      <a:endParaRPr lang="en-US" dirty="0"/>
+                    </a:p>
+                  </a:txBody>
+                  <a:tcPr/>
+                </a:tc>
+                <a:tc>
+                  <a:txBody>
+                    <a:bodyPr/>
+                    <a:lstStyle/>
+                    <a:p>
+                      <a:endParaRPr lang="en-US"/>
+                    </a:p>
+                  </a:txBody>
+                  <a:tcPr/>
+                </a:tc>
+                <a:tc>
+                  <a:txBody>
+                    <a:bodyPr/>
+                    <a:lstStyle/>
+                    <a:p>
+                      <a:pPr algn="ctr"/>
+                      <a:r>
+                        <a:rPr lang="en-US" dirty="0"/>
+                        <a:t>…</a:t>
+                      </a:r>
+                    </a:p>
+                  </a:txBody>
+                  <a:tcPr/>
+                </a:tc>
+                <a:tc>
+                  <a:txBody>
+                    <a:bodyPr/>
+                    <a:lstStyle/>
+                    <a:p>
+                      <a:endParaRPr lang="en-US"/>
+                    </a:p>
+                  </a:txBody>
+                  <a:tcPr/>
+                </a:tc>
+                <a:extLst>
+                  <a:ext uri="{0D108BD9-81ED-4DB2-BD59-A6C34878D82A}">
+                    <a16:rowId xmlns:a16="http://schemas.microsoft.com/office/drawing/2014/main" val="2329366794"/>
+                  </a:ext>
+                </a:extLst>
+              </a:tr>
+              <a:tr h="370840">
+                <a:tc>
+                  <a:txBody>
+                    <a:bodyPr/>
+                    <a:lstStyle/>
+                    <a:p>
+                      <a:pPr algn="ctr"/>
+                      <a:r>
+                        <a:rPr lang="en-US" dirty="0"/>
+                        <a:t>B</a:t>
+                      </a:r>
+                    </a:p>
+                  </a:txBody>
+                  <a:tcPr/>
+                </a:tc>
+                <a:tc>
+                  <a:txBody>
+                    <a:bodyPr/>
+                    <a:lstStyle/>
+                    <a:p>
+                      <a:endParaRPr lang="en-US"/>
+                    </a:p>
+                  </a:txBody>
+                  <a:tcPr/>
+                </a:tc>
+                <a:tc>
+                  <a:txBody>
+                    <a:bodyPr/>
+                    <a:lstStyle/>
+                    <a:p>
+                      <a:endParaRPr lang="en-US"/>
+                    </a:p>
+                  </a:txBody>
+                  <a:tcPr/>
+                </a:tc>
+                <a:tc>
+                  <a:txBody>
+                    <a:bodyPr/>
+                    <a:lstStyle/>
+                    <a:p>
+                      <a:pPr algn="ctr"/>
+                      <a:r>
+                        <a:rPr lang="en-US" dirty="0"/>
+                        <a:t>…</a:t>
+                      </a:r>
+                    </a:p>
+                  </a:txBody>
+                  <a:tcPr/>
+                </a:tc>
+                <a:tc>
+                  <a:txBody>
+                    <a:bodyPr/>
+                    <a:lstStyle/>
+                    <a:p>
+                      <a:endParaRPr lang="en-US"/>
+                    </a:p>
+                  </a:txBody>
+                  <a:tcPr/>
+                </a:tc>
+                <a:extLst>
+                  <a:ext uri="{0D108BD9-81ED-4DB2-BD59-A6C34878D82A}">
+                    <a16:rowId xmlns:a16="http://schemas.microsoft.com/office/drawing/2014/main" val="4099458897"/>
+                  </a:ext>
+                </a:extLst>
+              </a:tr>
+              <a:tr h="370840">
+                <a:tc>
+                  <a:txBody>
+                    <a:bodyPr/>
+                    <a:lstStyle/>
+                    <a:p>
+                      <a:pPr algn="ctr"/>
+                      <a:r>
+                        <a:rPr lang="en-US" dirty="0"/>
+                        <a:t>…</a:t>
+                      </a:r>
+                    </a:p>
+                  </a:txBody>
+                  <a:tcPr/>
+                </a:tc>
+                <a:tc>
+                  <a:txBody>
+                    <a:bodyPr/>
+                    <a:lstStyle/>
+                    <a:p>
+                      <a:pPr algn="ctr"/>
+                      <a:r>
+                        <a:rPr lang="en-US" dirty="0"/>
+                        <a:t>…</a:t>
+                      </a:r>
+                    </a:p>
+                  </a:txBody>
+                  <a:tcPr/>
+                </a:tc>
+                <a:tc>
+                  <a:txBody>
+                    <a:bodyPr/>
+                    <a:lstStyle/>
+                    <a:p>
+                      <a:pPr algn="ctr"/>
+                      <a:r>
+                        <a:rPr lang="en-US" dirty="0"/>
+                        <a:t>…</a:t>
+                      </a:r>
+                    </a:p>
+                  </a:txBody>
+                  <a:tcPr/>
+                </a:tc>
+                <a:tc>
+                  <a:txBody>
+                    <a:bodyPr/>
+                    <a:lstStyle/>
+                    <a:p>
+                      <a:pPr algn="ctr"/>
+                      <a:r>
+                        <a:rPr lang="en-US" dirty="0"/>
+                        <a:t>…</a:t>
+                      </a:r>
+                    </a:p>
+                  </a:txBody>
+                  <a:tcPr/>
+                </a:tc>
+                <a:tc>
+                  <a:txBody>
+                    <a:bodyPr/>
+                    <a:lstStyle/>
+                    <a:p>
+                      <a:pPr algn="ctr"/>
+                      <a:r>
+                        <a:rPr lang="en-US" dirty="0"/>
+                        <a:t>…</a:t>
+                      </a:r>
+                    </a:p>
+                  </a:txBody>
+                  <a:tcPr/>
+                </a:tc>
+                <a:extLst>
+                  <a:ext uri="{0D108BD9-81ED-4DB2-BD59-A6C34878D82A}">
+                    <a16:rowId xmlns:a16="http://schemas.microsoft.com/office/drawing/2014/main" val="1384642318"/>
+                  </a:ext>
+                </a:extLst>
+              </a:tr>
+              <a:tr h="370840">
+                <a:tc>
+                  <a:txBody>
+                    <a:bodyPr/>
+                    <a:lstStyle/>
+                    <a:p>
+                      <a:pPr algn="ctr"/>
+                      <a:r>
+                        <a:rPr lang="en-US" dirty="0"/>
+                        <a:t>Z</a:t>
+                      </a:r>
+                    </a:p>
+                  </a:txBody>
+                  <a:tcPr/>
+                </a:tc>
+                <a:tc>
+                  <a:txBody>
+                    <a:bodyPr/>
+                    <a:lstStyle/>
+                    <a:p>
+                      <a:endParaRPr lang="en-US"/>
+                    </a:p>
+                  </a:txBody>
+                  <a:tcPr/>
+                </a:tc>
+                <a:tc>
+                  <a:txBody>
+                    <a:bodyPr/>
+                    <a:lstStyle/>
+                    <a:p>
+                      <a:endParaRPr lang="en-US"/>
+                    </a:p>
+                  </a:txBody>
+                  <a:tcPr/>
+                </a:tc>
+                <a:tc>
+                  <a:txBody>
+                    <a:bodyPr/>
+                    <a:lstStyle/>
+                    <a:p>
+                      <a:pPr algn="ctr"/>
+                      <a:r>
+                        <a:rPr lang="en-US" dirty="0"/>
+                        <a:t>…</a:t>
+                      </a:r>
+                    </a:p>
+                  </a:txBody>
+                  <a:tcPr/>
+                </a:tc>
+                <a:tc>
+                  <a:txBody>
+                    <a:bodyPr/>
+                    <a:lstStyle/>
+                    <a:p>
+                      <a:endParaRPr lang="en-US" dirty="0"/>
+                    </a:p>
+                  </a:txBody>
+                  <a:tcPr/>
+                </a:tc>
+                <a:extLst>
+                  <a:ext uri="{0D108BD9-81ED-4DB2-BD59-A6C34878D82A}">
+                    <a16:rowId xmlns:a16="http://schemas.microsoft.com/office/drawing/2014/main" val="1016354206"/>
+                  </a:ext>
+                </a:extLst>
+              </a:tr>
+            </a:tbl>
+          </a:graphicData>
+        </a:graphic>
+      </p:graphicFrame>
+      <p:sp>
+        <p:nvSpPr>
+          <p:cNvPr id="5" name="TextBox 4">
+            <a:extLst>
+              <a:ext uri="{FF2B5EF4-FFF2-40B4-BE49-F238E27FC236}">
+                <a16:creationId xmlns:a16="http://schemas.microsoft.com/office/drawing/2014/main" id="{A84D83C9-2A8C-4F8C-B98F-503F85958A37}"/>
+              </a:ext>
+            </a:extLst>
+          </p:cNvPr>
+          <p:cNvSpPr txBox="1"/>
+          <p:nvPr/>
+        </p:nvSpPr>
+        <p:spPr>
+          <a:xfrm>
+            <a:off x="1313507" y="2700197"/>
+            <a:ext cx="3376245" cy="338554"/>
+          </a:xfrm>
+          <a:prstGeom prst="rect">
+            <a:avLst/>
+          </a:prstGeom>
+          <a:noFill/>
+        </p:spPr>
+        <p:txBody>
+          <a:bodyPr wrap="none" rtlCol="0">
+            <a:spAutoFit/>
+          </a:bodyPr>
+          <a:lstStyle/>
+          <a:p>
+            <a:pPr algn="ctr"/>
+            <a:r>
+              <a:rPr lang="en-US" sz="1600" dirty="0"/>
+              <a:t>Gene Counts by Sample (</a:t>
+            </a:r>
+            <a:r>
+              <a:rPr lang="en-US" sz="1600" dirty="0" err="1"/>
+              <a:t>BulkSeq</a:t>
+            </a:r>
+            <a:r>
+              <a:rPr lang="en-US" sz="1600" dirty="0"/>
+              <a:t>)</a:t>
+            </a:r>
+          </a:p>
+        </p:txBody>
+      </p:sp>
+      <p:graphicFrame>
+        <p:nvGraphicFramePr>
+          <p:cNvPr id="6" name="Table 4">
+            <a:extLst>
+              <a:ext uri="{FF2B5EF4-FFF2-40B4-BE49-F238E27FC236}">
+                <a16:creationId xmlns:a16="http://schemas.microsoft.com/office/drawing/2014/main" id="{6767A4F9-89A7-4855-B123-9EE4652A408A}"/>
+              </a:ext>
+            </a:extLst>
+          </p:cNvPr>
+          <p:cNvGraphicFramePr>
+            <a:graphicFrameLocks noGrp="1"/>
+          </p:cNvGraphicFramePr>
+          <p:nvPr>
+            <p:extLst>
+              <p:ext uri="{D42A27DB-BD31-4B8C-83A1-F6EECF244321}">
+                <p14:modId xmlns:p14="http://schemas.microsoft.com/office/powerpoint/2010/main" val="701534870"/>
+              </p:ext>
+            </p:extLst>
+          </p:nvPr>
+        </p:nvGraphicFramePr>
+        <p:xfrm>
+          <a:off x="61607" y="3711519"/>
+          <a:ext cx="5270435" cy="1854200"/>
+        </p:xfrm>
+        <a:graphic>
+          <a:graphicData uri="http://schemas.openxmlformats.org/drawingml/2006/table">
+            <a:tbl>
+              <a:tblPr firstRow="1" firstCol="1">
+                <a:tableStyleId>{073A0DAA-6AF3-43AB-8588-CEC1D06C72B9}</a:tableStyleId>
+              </a:tblPr>
+              <a:tblGrid>
+                <a:gridCol w="817880">
+                  <a:extLst>
+                    <a:ext uri="{9D8B030D-6E8A-4147-A177-3AD203B41FA5}">
+                      <a16:colId xmlns:a16="http://schemas.microsoft.com/office/drawing/2014/main" val="450109605"/>
+                    </a:ext>
+                  </a:extLst>
+                </a:gridCol>
+                <a:gridCol w="1308925">
+                  <a:extLst>
+                    <a:ext uri="{9D8B030D-6E8A-4147-A177-3AD203B41FA5}">
+                      <a16:colId xmlns:a16="http://schemas.microsoft.com/office/drawing/2014/main" val="3479735736"/>
+                    </a:ext>
+                  </a:extLst>
+                </a:gridCol>
+                <a:gridCol w="1308925">
+                  <a:extLst>
+                    <a:ext uri="{9D8B030D-6E8A-4147-A177-3AD203B41FA5}">
+                      <a16:colId xmlns:a16="http://schemas.microsoft.com/office/drawing/2014/main" val="2746486020"/>
+                    </a:ext>
+                  </a:extLst>
+                </a:gridCol>
+                <a:gridCol w="474980">
+                  <a:extLst>
+                    <a:ext uri="{9D8B030D-6E8A-4147-A177-3AD203B41FA5}">
+                      <a16:colId xmlns:a16="http://schemas.microsoft.com/office/drawing/2014/main" val="1386069138"/>
+                    </a:ext>
+                  </a:extLst>
+                </a:gridCol>
+                <a:gridCol w="1359725">
+                  <a:extLst>
+                    <a:ext uri="{9D8B030D-6E8A-4147-A177-3AD203B41FA5}">
+                      <a16:colId xmlns:a16="http://schemas.microsoft.com/office/drawing/2014/main" val="166882655"/>
+                    </a:ext>
+                  </a:extLst>
+                </a:gridCol>
+              </a:tblGrid>
+              <a:tr h="370840">
+                <a:tc>
+                  <a:txBody>
+                    <a:bodyPr/>
+                    <a:lstStyle/>
+                    <a:p>
+                      <a:pPr algn="ctr"/>
+                      <a:r>
+                        <a:rPr lang="en-US" dirty="0"/>
+                        <a:t>Gene</a:t>
+                      </a:r>
+                    </a:p>
+                  </a:txBody>
+                  <a:tcPr/>
+                </a:tc>
+                <a:tc>
+                  <a:txBody>
+                    <a:bodyPr/>
+                    <a:lstStyle/>
+                    <a:p>
+                      <a:pPr algn="ctr"/>
+                      <a:r>
+                        <a:rPr lang="en-US" dirty="0"/>
+                        <a:t>Cell Type</a:t>
+                      </a:r>
+                      <a:r>
+                        <a:rPr lang="en-US" baseline="-25000" dirty="0"/>
+                        <a:t>1</a:t>
+                      </a:r>
+                    </a:p>
+                  </a:txBody>
+                  <a:tcPr/>
+                </a:tc>
+                <a:tc>
+                  <a:txBody>
+                    <a:bodyPr/>
+                    <a:lstStyle/>
+                    <a:p>
+                      <a:pPr marL="0" marR="0" lvl="0" indent="0" algn="ctr" defTabSz="914400" rtl="0" eaLnBrk="1" fontAlgn="auto" latinLnBrk="0" hangingPunct="1">
+                        <a:lnSpc>
+                          <a:spcPct val="100000"/>
+                        </a:lnSpc>
+                        <a:spcBef>
+                          <a:spcPts val="0"/>
+                        </a:spcBef>
+                        <a:spcAft>
+                          <a:spcPts val="0"/>
+                        </a:spcAft>
+                        <a:buClrTx/>
+                        <a:buSzTx/>
+                        <a:buFontTx/>
+                        <a:buNone/>
+                        <a:tabLst/>
+                        <a:defRPr/>
+                      </a:pPr>
+                      <a:r>
+                        <a:rPr lang="en-US" dirty="0"/>
+                        <a:t>Cell Type</a:t>
+                      </a:r>
+                      <a:r>
+                        <a:rPr lang="en-US" baseline="-25000" dirty="0"/>
+                        <a:t>2</a:t>
+                      </a:r>
+                    </a:p>
+                  </a:txBody>
+                  <a:tcPr/>
+                </a:tc>
+                <a:tc>
+                  <a:txBody>
+                    <a:bodyPr/>
+                    <a:lstStyle/>
+                    <a:p>
+                      <a:pPr algn="ctr"/>
+                      <a:r>
+                        <a:rPr lang="en-US" dirty="0"/>
+                        <a:t>…</a:t>
+                      </a:r>
+                    </a:p>
+                  </a:txBody>
+                  <a:tcPr/>
+                </a:tc>
+                <a:tc>
+                  <a:txBody>
+                    <a:bodyPr/>
+                    <a:lstStyle/>
+                    <a:p>
+                      <a:pPr marL="0" marR="0" lvl="0" indent="0" algn="ctr" defTabSz="914400" rtl="0" eaLnBrk="1" fontAlgn="auto" latinLnBrk="0" hangingPunct="1">
+                        <a:lnSpc>
+                          <a:spcPct val="100000"/>
+                        </a:lnSpc>
+                        <a:spcBef>
+                          <a:spcPts val="0"/>
+                        </a:spcBef>
+                        <a:spcAft>
+                          <a:spcPts val="0"/>
+                        </a:spcAft>
+                        <a:buClrTx/>
+                        <a:buSzTx/>
+                        <a:buFontTx/>
+                        <a:buNone/>
+                        <a:tabLst/>
+                        <a:defRPr/>
+                      </a:pPr>
+                      <a:r>
+                        <a:rPr lang="en-US" dirty="0"/>
+                        <a:t>Cell </a:t>
+                      </a:r>
+                      <a:r>
+                        <a:rPr lang="en-US" dirty="0" err="1"/>
+                        <a:t>Type</a:t>
+                      </a:r>
+                      <a:r>
+                        <a:rPr lang="en-US" baseline="-25000" dirty="0" err="1"/>
+                        <a:t>m</a:t>
+                      </a:r>
+                      <a:endParaRPr lang="en-US" baseline="-25000" dirty="0"/>
+                    </a:p>
+                  </a:txBody>
+                  <a:tcPr/>
+                </a:tc>
+                <a:extLst>
+                  <a:ext uri="{0D108BD9-81ED-4DB2-BD59-A6C34878D82A}">
+                    <a16:rowId xmlns:a16="http://schemas.microsoft.com/office/drawing/2014/main" val="2805917629"/>
+                  </a:ext>
+                </a:extLst>
+              </a:tr>
+              <a:tr h="370840">
+                <a:tc>
+                  <a:txBody>
+                    <a:bodyPr/>
+                    <a:lstStyle/>
+                    <a:p>
+                      <a:pPr algn="ctr"/>
+                      <a:r>
+                        <a:rPr lang="en-US" dirty="0"/>
+                        <a:t>A</a:t>
+                      </a:r>
+                    </a:p>
+                  </a:txBody>
+                  <a:tcPr/>
+                </a:tc>
+                <a:tc>
+                  <a:txBody>
+                    <a:bodyPr/>
+                    <a:lstStyle/>
+                    <a:p>
+                      <a:endParaRPr lang="en-US" dirty="0"/>
+                    </a:p>
+                  </a:txBody>
+                  <a:tcPr/>
+                </a:tc>
+                <a:tc>
+                  <a:txBody>
+                    <a:bodyPr/>
+                    <a:lstStyle/>
+                    <a:p>
+                      <a:endParaRPr lang="en-US"/>
+                    </a:p>
+                  </a:txBody>
+                  <a:tcPr/>
+                </a:tc>
+                <a:tc>
+                  <a:txBody>
+                    <a:bodyPr/>
+                    <a:lstStyle/>
+                    <a:p>
+                      <a:pPr algn="ctr"/>
+                      <a:r>
+                        <a:rPr lang="en-US" dirty="0"/>
+                        <a:t>…</a:t>
+                      </a:r>
+                    </a:p>
+                  </a:txBody>
+                  <a:tcPr/>
+                </a:tc>
+                <a:tc>
+                  <a:txBody>
+                    <a:bodyPr/>
+                    <a:lstStyle/>
+                    <a:p>
+                      <a:endParaRPr lang="en-US"/>
+                    </a:p>
+                  </a:txBody>
+                  <a:tcPr/>
+                </a:tc>
+                <a:extLst>
+                  <a:ext uri="{0D108BD9-81ED-4DB2-BD59-A6C34878D82A}">
+                    <a16:rowId xmlns:a16="http://schemas.microsoft.com/office/drawing/2014/main" val="2329366794"/>
+                  </a:ext>
+                </a:extLst>
+              </a:tr>
+              <a:tr h="370840">
+                <a:tc>
+                  <a:txBody>
+                    <a:bodyPr/>
+                    <a:lstStyle/>
+                    <a:p>
+                      <a:pPr algn="ctr"/>
+                      <a:r>
+                        <a:rPr lang="en-US" dirty="0"/>
+                        <a:t>B</a:t>
+                      </a:r>
+                    </a:p>
+                  </a:txBody>
+                  <a:tcPr/>
+                </a:tc>
+                <a:tc>
+                  <a:txBody>
+                    <a:bodyPr/>
+                    <a:lstStyle/>
+                    <a:p>
+                      <a:endParaRPr lang="en-US"/>
+                    </a:p>
+                  </a:txBody>
+                  <a:tcPr/>
+                </a:tc>
+                <a:tc>
+                  <a:txBody>
+                    <a:bodyPr/>
+                    <a:lstStyle/>
+                    <a:p>
+                      <a:endParaRPr lang="en-US"/>
+                    </a:p>
+                  </a:txBody>
+                  <a:tcPr/>
+                </a:tc>
+                <a:tc>
+                  <a:txBody>
+                    <a:bodyPr/>
+                    <a:lstStyle/>
+                    <a:p>
+                      <a:pPr algn="ctr"/>
+                      <a:r>
+                        <a:rPr lang="en-US" dirty="0"/>
+                        <a:t>…</a:t>
+                      </a:r>
+                    </a:p>
+                  </a:txBody>
+                  <a:tcPr/>
+                </a:tc>
+                <a:tc>
+                  <a:txBody>
+                    <a:bodyPr/>
+                    <a:lstStyle/>
+                    <a:p>
+                      <a:endParaRPr lang="en-US" dirty="0"/>
+                    </a:p>
+                  </a:txBody>
+                  <a:tcPr/>
+                </a:tc>
+                <a:extLst>
+                  <a:ext uri="{0D108BD9-81ED-4DB2-BD59-A6C34878D82A}">
+                    <a16:rowId xmlns:a16="http://schemas.microsoft.com/office/drawing/2014/main" val="4099458897"/>
+                  </a:ext>
+                </a:extLst>
+              </a:tr>
+              <a:tr h="370840">
+                <a:tc>
+                  <a:txBody>
+                    <a:bodyPr/>
+                    <a:lstStyle/>
+                    <a:p>
+                      <a:pPr algn="ctr"/>
+                      <a:r>
+                        <a:rPr lang="en-US" dirty="0"/>
+                        <a:t>…</a:t>
+                      </a:r>
+                    </a:p>
+                  </a:txBody>
+                  <a:tcPr/>
+                </a:tc>
+                <a:tc>
+                  <a:txBody>
+                    <a:bodyPr/>
+                    <a:lstStyle/>
+                    <a:p>
+                      <a:pPr algn="ctr"/>
+                      <a:r>
+                        <a:rPr lang="en-US" dirty="0"/>
+                        <a:t>…</a:t>
+                      </a:r>
+                    </a:p>
+                  </a:txBody>
+                  <a:tcPr/>
+                </a:tc>
+                <a:tc>
+                  <a:txBody>
+                    <a:bodyPr/>
+                    <a:lstStyle/>
+                    <a:p>
+                      <a:pPr algn="ctr"/>
+                      <a:r>
+                        <a:rPr lang="en-US" dirty="0"/>
+                        <a:t>…</a:t>
+                      </a:r>
+                    </a:p>
+                  </a:txBody>
+                  <a:tcPr/>
+                </a:tc>
+                <a:tc>
+                  <a:txBody>
+                    <a:bodyPr/>
+                    <a:lstStyle/>
+                    <a:p>
+                      <a:pPr algn="ctr"/>
+                      <a:r>
+                        <a:rPr lang="en-US" dirty="0"/>
+                        <a:t>…</a:t>
+                      </a:r>
+                    </a:p>
+                  </a:txBody>
+                  <a:tcPr/>
+                </a:tc>
+                <a:tc>
+                  <a:txBody>
+                    <a:bodyPr/>
+                    <a:lstStyle/>
+                    <a:p>
+                      <a:pPr algn="ctr"/>
+                      <a:r>
+                        <a:rPr lang="en-US" dirty="0"/>
+                        <a:t>…</a:t>
+                      </a:r>
+                    </a:p>
+                  </a:txBody>
+                  <a:tcPr/>
+                </a:tc>
+                <a:extLst>
+                  <a:ext uri="{0D108BD9-81ED-4DB2-BD59-A6C34878D82A}">
+                    <a16:rowId xmlns:a16="http://schemas.microsoft.com/office/drawing/2014/main" val="1384642318"/>
+                  </a:ext>
+                </a:extLst>
+              </a:tr>
+              <a:tr h="370840">
+                <a:tc>
+                  <a:txBody>
+                    <a:bodyPr/>
+                    <a:lstStyle/>
+                    <a:p>
+                      <a:pPr algn="ctr"/>
+                      <a:r>
+                        <a:rPr lang="en-US" dirty="0"/>
+                        <a:t>Z</a:t>
+                      </a:r>
+                    </a:p>
+                  </a:txBody>
+                  <a:tcPr/>
+                </a:tc>
+                <a:tc>
+                  <a:txBody>
+                    <a:bodyPr/>
+                    <a:lstStyle/>
+                    <a:p>
+                      <a:endParaRPr lang="en-US"/>
+                    </a:p>
+                  </a:txBody>
+                  <a:tcPr/>
+                </a:tc>
+                <a:tc>
+                  <a:txBody>
+                    <a:bodyPr/>
+                    <a:lstStyle/>
+                    <a:p>
+                      <a:endParaRPr lang="en-US" dirty="0"/>
+                    </a:p>
+                  </a:txBody>
+                  <a:tcPr/>
+                </a:tc>
+                <a:tc>
+                  <a:txBody>
+                    <a:bodyPr/>
+                    <a:lstStyle/>
+                    <a:p>
+                      <a:pPr algn="ctr"/>
+                      <a:r>
+                        <a:rPr lang="en-US" dirty="0"/>
+                        <a:t>…</a:t>
+                      </a:r>
+                    </a:p>
+                  </a:txBody>
+                  <a:tcPr/>
+                </a:tc>
+                <a:tc>
+                  <a:txBody>
+                    <a:bodyPr/>
+                    <a:lstStyle/>
+                    <a:p>
+                      <a:endParaRPr lang="en-US" dirty="0"/>
+                    </a:p>
+                  </a:txBody>
+                  <a:tcPr/>
+                </a:tc>
+                <a:extLst>
+                  <a:ext uri="{0D108BD9-81ED-4DB2-BD59-A6C34878D82A}">
+                    <a16:rowId xmlns:a16="http://schemas.microsoft.com/office/drawing/2014/main" val="1016354206"/>
+                  </a:ext>
+                </a:extLst>
+              </a:tr>
+            </a:tbl>
+          </a:graphicData>
+        </a:graphic>
+      </p:graphicFrame>
+      <p:sp>
+        <p:nvSpPr>
+          <p:cNvPr id="7" name="TextBox 6">
+            <a:extLst>
+              <a:ext uri="{FF2B5EF4-FFF2-40B4-BE49-F238E27FC236}">
+                <a16:creationId xmlns:a16="http://schemas.microsoft.com/office/drawing/2014/main" id="{F60FA65F-3190-4565-ACE0-7B5D94D6E593}"/>
+              </a:ext>
+            </a:extLst>
+          </p:cNvPr>
+          <p:cNvSpPr txBox="1"/>
+          <p:nvPr/>
+        </p:nvSpPr>
+        <p:spPr>
+          <a:xfrm>
+            <a:off x="1922454" y="5565719"/>
+            <a:ext cx="2158348" cy="338554"/>
+          </a:xfrm>
+          <a:prstGeom prst="rect">
+            <a:avLst/>
+          </a:prstGeom>
+          <a:noFill/>
+        </p:spPr>
+        <p:txBody>
+          <a:bodyPr wrap="none" rtlCol="0">
+            <a:spAutoFit/>
+          </a:bodyPr>
+          <a:lstStyle/>
+          <a:p>
+            <a:pPr algn="ctr"/>
+            <a:r>
+              <a:rPr lang="en-US" sz="1600" dirty="0"/>
+              <a:t>Transcriptional Profile</a:t>
+            </a:r>
+          </a:p>
+        </p:txBody>
+      </p:sp>
+      <p:graphicFrame>
+        <p:nvGraphicFramePr>
+          <p:cNvPr id="8" name="Table 4">
+            <a:extLst>
+              <a:ext uri="{FF2B5EF4-FFF2-40B4-BE49-F238E27FC236}">
+                <a16:creationId xmlns:a16="http://schemas.microsoft.com/office/drawing/2014/main" id="{6EA1D913-49E0-4DFE-BD5C-F0FEDBCBBF08}"/>
+              </a:ext>
+            </a:extLst>
+          </p:cNvPr>
+          <p:cNvGraphicFramePr>
+            <a:graphicFrameLocks noGrp="1"/>
+          </p:cNvGraphicFramePr>
+          <p:nvPr>
+            <p:extLst>
+              <p:ext uri="{D42A27DB-BD31-4B8C-83A1-F6EECF244321}">
+                <p14:modId xmlns:p14="http://schemas.microsoft.com/office/powerpoint/2010/main" val="2726354752"/>
+              </p:ext>
+            </p:extLst>
+          </p:nvPr>
+        </p:nvGraphicFramePr>
+        <p:xfrm>
+          <a:off x="6555158" y="2303823"/>
+          <a:ext cx="5575235" cy="1854200"/>
+        </p:xfrm>
+        <a:graphic>
+          <a:graphicData uri="http://schemas.openxmlformats.org/drawingml/2006/table">
+            <a:tbl>
+              <a:tblPr firstRow="1" firstCol="1">
+                <a:tableStyleId>{073A0DAA-6AF3-43AB-8588-CEC1D06C72B9}</a:tableStyleId>
+              </a:tblPr>
+              <a:tblGrid>
+                <a:gridCol w="1122680">
+                  <a:extLst>
+                    <a:ext uri="{9D8B030D-6E8A-4147-A177-3AD203B41FA5}">
+                      <a16:colId xmlns:a16="http://schemas.microsoft.com/office/drawing/2014/main" val="450109605"/>
+                    </a:ext>
+                  </a:extLst>
+                </a:gridCol>
+                <a:gridCol w="1308925">
+                  <a:extLst>
+                    <a:ext uri="{9D8B030D-6E8A-4147-A177-3AD203B41FA5}">
+                      <a16:colId xmlns:a16="http://schemas.microsoft.com/office/drawing/2014/main" val="3479735736"/>
+                    </a:ext>
+                  </a:extLst>
+                </a:gridCol>
+                <a:gridCol w="1308925">
+                  <a:extLst>
+                    <a:ext uri="{9D8B030D-6E8A-4147-A177-3AD203B41FA5}">
+                      <a16:colId xmlns:a16="http://schemas.microsoft.com/office/drawing/2014/main" val="2746486020"/>
+                    </a:ext>
+                  </a:extLst>
+                </a:gridCol>
+                <a:gridCol w="474980">
+                  <a:extLst>
+                    <a:ext uri="{9D8B030D-6E8A-4147-A177-3AD203B41FA5}">
+                      <a16:colId xmlns:a16="http://schemas.microsoft.com/office/drawing/2014/main" val="1386069138"/>
+                    </a:ext>
+                  </a:extLst>
+                </a:gridCol>
+                <a:gridCol w="1359725">
+                  <a:extLst>
+                    <a:ext uri="{9D8B030D-6E8A-4147-A177-3AD203B41FA5}">
+                      <a16:colId xmlns:a16="http://schemas.microsoft.com/office/drawing/2014/main" val="166882655"/>
+                    </a:ext>
+                  </a:extLst>
+                </a:gridCol>
+              </a:tblGrid>
+              <a:tr h="370840">
+                <a:tc>
+                  <a:txBody>
+                    <a:bodyPr/>
+                    <a:lstStyle/>
+                    <a:p>
+                      <a:pPr algn="ctr"/>
+                      <a:r>
+                        <a:rPr lang="en-US" dirty="0"/>
+                        <a:t>Sample</a:t>
+                      </a:r>
+                    </a:p>
+                  </a:txBody>
+                  <a:tcPr/>
+                </a:tc>
+                <a:tc>
+                  <a:txBody>
+                    <a:bodyPr/>
+                    <a:lstStyle/>
+                    <a:p>
+                      <a:pPr algn="ctr"/>
+                      <a:r>
+                        <a:rPr lang="en-US" dirty="0"/>
+                        <a:t>Cell Type</a:t>
+                      </a:r>
+                      <a:r>
+                        <a:rPr lang="en-US" baseline="-25000" dirty="0"/>
+                        <a:t>1</a:t>
+                      </a:r>
+                    </a:p>
+                  </a:txBody>
+                  <a:tcPr/>
+                </a:tc>
+                <a:tc>
+                  <a:txBody>
+                    <a:bodyPr/>
+                    <a:lstStyle/>
+                    <a:p>
+                      <a:pPr marL="0" marR="0" lvl="0" indent="0" algn="ctr" defTabSz="914400" rtl="0" eaLnBrk="1" fontAlgn="auto" latinLnBrk="0" hangingPunct="1">
+                        <a:lnSpc>
+                          <a:spcPct val="100000"/>
+                        </a:lnSpc>
+                        <a:spcBef>
+                          <a:spcPts val="0"/>
+                        </a:spcBef>
+                        <a:spcAft>
+                          <a:spcPts val="0"/>
+                        </a:spcAft>
+                        <a:buClrTx/>
+                        <a:buSzTx/>
+                        <a:buFontTx/>
+                        <a:buNone/>
+                        <a:tabLst/>
+                        <a:defRPr/>
+                      </a:pPr>
+                      <a:r>
+                        <a:rPr lang="en-US" dirty="0"/>
+                        <a:t>Cell Type</a:t>
+                      </a:r>
+                      <a:r>
+                        <a:rPr lang="en-US" baseline="-25000" dirty="0"/>
+                        <a:t>2</a:t>
+                      </a:r>
+                    </a:p>
+                  </a:txBody>
+                  <a:tcPr/>
+                </a:tc>
+                <a:tc>
+                  <a:txBody>
+                    <a:bodyPr/>
+                    <a:lstStyle/>
+                    <a:p>
+                      <a:pPr algn="ctr"/>
+                      <a:r>
+                        <a:rPr lang="en-US" dirty="0"/>
+                        <a:t>…</a:t>
+                      </a:r>
+                    </a:p>
+                  </a:txBody>
+                  <a:tcPr/>
+                </a:tc>
+                <a:tc>
+                  <a:txBody>
+                    <a:bodyPr/>
+                    <a:lstStyle/>
+                    <a:p>
+                      <a:pPr marL="0" marR="0" lvl="0" indent="0" algn="ctr" defTabSz="914400" rtl="0" eaLnBrk="1" fontAlgn="auto" latinLnBrk="0" hangingPunct="1">
+                        <a:lnSpc>
+                          <a:spcPct val="100000"/>
+                        </a:lnSpc>
+                        <a:spcBef>
+                          <a:spcPts val="0"/>
+                        </a:spcBef>
+                        <a:spcAft>
+                          <a:spcPts val="0"/>
+                        </a:spcAft>
+                        <a:buClrTx/>
+                        <a:buSzTx/>
+                        <a:buFontTx/>
+                        <a:buNone/>
+                        <a:tabLst/>
+                        <a:defRPr/>
+                      </a:pPr>
+                      <a:r>
+                        <a:rPr lang="en-US" dirty="0"/>
+                        <a:t>Cell </a:t>
+                      </a:r>
+                      <a:r>
+                        <a:rPr lang="en-US" dirty="0" err="1"/>
+                        <a:t>Type</a:t>
+                      </a:r>
+                      <a:r>
+                        <a:rPr lang="en-US" baseline="-25000" dirty="0" err="1"/>
+                        <a:t>m</a:t>
+                      </a:r>
+                      <a:endParaRPr lang="en-US" baseline="-25000" dirty="0"/>
+                    </a:p>
+                  </a:txBody>
+                  <a:tcPr/>
+                </a:tc>
+                <a:extLst>
+                  <a:ext uri="{0D108BD9-81ED-4DB2-BD59-A6C34878D82A}">
+                    <a16:rowId xmlns:a16="http://schemas.microsoft.com/office/drawing/2014/main" val="2805917629"/>
+                  </a:ext>
+                </a:extLst>
+              </a:tr>
+              <a:tr h="370840">
+                <a:tc>
+                  <a:txBody>
+                    <a:bodyPr/>
+                    <a:lstStyle/>
+                    <a:p>
+                      <a:pPr algn="ctr"/>
+                      <a:r>
+                        <a:rPr lang="en-US" dirty="0"/>
+                        <a:t>Sample</a:t>
+                      </a:r>
+                      <a:r>
+                        <a:rPr lang="en-US" baseline="-25000" dirty="0"/>
+                        <a:t>1</a:t>
+                      </a:r>
+                    </a:p>
+                  </a:txBody>
+                  <a:tcPr/>
+                </a:tc>
+                <a:tc>
+                  <a:txBody>
+                    <a:bodyPr/>
+                    <a:lstStyle/>
+                    <a:p>
+                      <a:endParaRPr lang="en-US" dirty="0"/>
+                    </a:p>
+                  </a:txBody>
+                  <a:tcPr/>
+                </a:tc>
+                <a:tc>
+                  <a:txBody>
+                    <a:bodyPr/>
+                    <a:lstStyle/>
+                    <a:p>
+                      <a:endParaRPr lang="en-US"/>
+                    </a:p>
+                  </a:txBody>
+                  <a:tcPr/>
+                </a:tc>
+                <a:tc>
+                  <a:txBody>
+                    <a:bodyPr/>
+                    <a:lstStyle/>
+                    <a:p>
+                      <a:pPr algn="ctr"/>
+                      <a:r>
+                        <a:rPr lang="en-US" dirty="0"/>
+                        <a:t>…</a:t>
+                      </a:r>
+                    </a:p>
+                  </a:txBody>
+                  <a:tcPr/>
+                </a:tc>
+                <a:tc>
+                  <a:txBody>
+                    <a:bodyPr/>
+                    <a:lstStyle/>
+                    <a:p>
+                      <a:endParaRPr lang="en-US"/>
+                    </a:p>
+                  </a:txBody>
+                  <a:tcPr/>
+                </a:tc>
+                <a:extLst>
+                  <a:ext uri="{0D108BD9-81ED-4DB2-BD59-A6C34878D82A}">
+                    <a16:rowId xmlns:a16="http://schemas.microsoft.com/office/drawing/2014/main" val="2329366794"/>
+                  </a:ext>
+                </a:extLst>
+              </a:tr>
+              <a:tr h="370840">
+                <a:tc>
+                  <a:txBody>
+                    <a:bodyPr/>
+                    <a:lstStyle/>
+                    <a:p>
+                      <a:pPr algn="ctr"/>
+                      <a:r>
+                        <a:rPr lang="en-US" dirty="0"/>
+                        <a:t>Sample</a:t>
+                      </a:r>
+                      <a:r>
+                        <a:rPr lang="en-US" baseline="-25000" dirty="0"/>
+                        <a:t>2</a:t>
+                      </a:r>
+                    </a:p>
+                  </a:txBody>
+                  <a:tcPr/>
+                </a:tc>
+                <a:tc>
+                  <a:txBody>
+                    <a:bodyPr/>
+                    <a:lstStyle/>
+                    <a:p>
+                      <a:endParaRPr lang="en-US"/>
+                    </a:p>
+                  </a:txBody>
+                  <a:tcPr/>
+                </a:tc>
+                <a:tc>
+                  <a:txBody>
+                    <a:bodyPr/>
+                    <a:lstStyle/>
+                    <a:p>
+                      <a:endParaRPr lang="en-US"/>
+                    </a:p>
+                  </a:txBody>
+                  <a:tcPr/>
+                </a:tc>
+                <a:tc>
+                  <a:txBody>
+                    <a:bodyPr/>
+                    <a:lstStyle/>
+                    <a:p>
+                      <a:pPr algn="ctr"/>
+                      <a:r>
+                        <a:rPr lang="en-US" dirty="0"/>
+                        <a:t>…</a:t>
+                      </a:r>
+                    </a:p>
+                  </a:txBody>
+                  <a:tcPr/>
+                </a:tc>
+                <a:tc>
+                  <a:txBody>
+                    <a:bodyPr/>
+                    <a:lstStyle/>
+                    <a:p>
+                      <a:endParaRPr lang="en-US"/>
+                    </a:p>
+                  </a:txBody>
+                  <a:tcPr/>
+                </a:tc>
+                <a:extLst>
+                  <a:ext uri="{0D108BD9-81ED-4DB2-BD59-A6C34878D82A}">
+                    <a16:rowId xmlns:a16="http://schemas.microsoft.com/office/drawing/2014/main" val="4099458897"/>
+                  </a:ext>
+                </a:extLst>
+              </a:tr>
+              <a:tr h="370840">
+                <a:tc>
+                  <a:txBody>
+                    <a:bodyPr/>
+                    <a:lstStyle/>
+                    <a:p>
+                      <a:pPr algn="ctr"/>
+                      <a:r>
+                        <a:rPr lang="en-US" dirty="0"/>
+                        <a:t>…</a:t>
+                      </a:r>
+                    </a:p>
+                  </a:txBody>
+                  <a:tcPr/>
+                </a:tc>
+                <a:tc>
+                  <a:txBody>
+                    <a:bodyPr/>
+                    <a:lstStyle/>
+                    <a:p>
+                      <a:pPr algn="ctr"/>
+                      <a:r>
+                        <a:rPr lang="en-US" dirty="0"/>
+                        <a:t>…</a:t>
+                      </a:r>
+                    </a:p>
+                  </a:txBody>
+                  <a:tcPr/>
+                </a:tc>
+                <a:tc>
+                  <a:txBody>
+                    <a:bodyPr/>
+                    <a:lstStyle/>
+                    <a:p>
+                      <a:pPr algn="ctr"/>
+                      <a:r>
+                        <a:rPr lang="en-US" dirty="0"/>
+                        <a:t>…</a:t>
+                      </a:r>
+                    </a:p>
+                  </a:txBody>
+                  <a:tcPr/>
+                </a:tc>
+                <a:tc>
+                  <a:txBody>
+                    <a:bodyPr/>
+                    <a:lstStyle/>
+                    <a:p>
+                      <a:pPr algn="ctr"/>
+                      <a:r>
+                        <a:rPr lang="en-US" dirty="0"/>
+                        <a:t>…</a:t>
+                      </a:r>
+                    </a:p>
+                  </a:txBody>
+                  <a:tcPr/>
+                </a:tc>
+                <a:tc>
+                  <a:txBody>
+                    <a:bodyPr/>
+                    <a:lstStyle/>
+                    <a:p>
+                      <a:pPr algn="ctr"/>
+                      <a:r>
+                        <a:rPr lang="en-US" dirty="0"/>
+                        <a:t>…</a:t>
+                      </a:r>
+                    </a:p>
+                  </a:txBody>
+                  <a:tcPr/>
+                </a:tc>
+                <a:extLst>
+                  <a:ext uri="{0D108BD9-81ED-4DB2-BD59-A6C34878D82A}">
+                    <a16:rowId xmlns:a16="http://schemas.microsoft.com/office/drawing/2014/main" val="1384642318"/>
+                  </a:ext>
+                </a:extLst>
+              </a:tr>
+              <a:tr h="370840">
+                <a:tc>
+                  <a:txBody>
+                    <a:bodyPr/>
+                    <a:lstStyle/>
+                    <a:p>
+                      <a:pPr algn="ctr"/>
+                      <a:r>
+                        <a:rPr lang="en-US" dirty="0" err="1"/>
+                        <a:t>Sample</a:t>
+                      </a:r>
+                      <a:r>
+                        <a:rPr lang="en-US" baseline="-25000" dirty="0" err="1"/>
+                        <a:t>n</a:t>
+                      </a:r>
+                      <a:endParaRPr lang="en-US" baseline="-25000" dirty="0"/>
+                    </a:p>
+                  </a:txBody>
+                  <a:tcPr/>
+                </a:tc>
+                <a:tc>
+                  <a:txBody>
+                    <a:bodyPr/>
+                    <a:lstStyle/>
+                    <a:p>
+                      <a:endParaRPr lang="en-US"/>
+                    </a:p>
+                  </a:txBody>
+                  <a:tcPr/>
+                </a:tc>
+                <a:tc>
+                  <a:txBody>
+                    <a:bodyPr/>
+                    <a:lstStyle/>
+                    <a:p>
+                      <a:endParaRPr lang="en-US"/>
+                    </a:p>
+                  </a:txBody>
+                  <a:tcPr/>
+                </a:tc>
+                <a:tc>
+                  <a:txBody>
+                    <a:bodyPr/>
+                    <a:lstStyle/>
+                    <a:p>
+                      <a:pPr algn="ctr"/>
+                      <a:r>
+                        <a:rPr lang="en-US" dirty="0"/>
+                        <a:t>…</a:t>
+                      </a:r>
+                    </a:p>
+                  </a:txBody>
+                  <a:tcPr/>
+                </a:tc>
+                <a:tc>
+                  <a:txBody>
+                    <a:bodyPr/>
+                    <a:lstStyle/>
+                    <a:p>
+                      <a:endParaRPr lang="en-US" dirty="0"/>
+                    </a:p>
+                  </a:txBody>
+                  <a:tcPr/>
+                </a:tc>
+                <a:extLst>
+                  <a:ext uri="{0D108BD9-81ED-4DB2-BD59-A6C34878D82A}">
+                    <a16:rowId xmlns:a16="http://schemas.microsoft.com/office/drawing/2014/main" val="1016354206"/>
+                  </a:ext>
+                </a:extLst>
+              </a:tr>
+            </a:tbl>
+          </a:graphicData>
+        </a:graphic>
+      </p:graphicFrame>
+      <p:sp>
+        <p:nvSpPr>
+          <p:cNvPr id="9" name="TextBox 8">
+            <a:extLst>
+              <a:ext uri="{FF2B5EF4-FFF2-40B4-BE49-F238E27FC236}">
+                <a16:creationId xmlns:a16="http://schemas.microsoft.com/office/drawing/2014/main" id="{FB3C756C-B23C-45CB-A4F2-F35D84EDC06C}"/>
+              </a:ext>
+            </a:extLst>
+          </p:cNvPr>
+          <p:cNvSpPr txBox="1"/>
+          <p:nvPr/>
+        </p:nvSpPr>
+        <p:spPr>
+          <a:xfrm>
+            <a:off x="8264595" y="4158023"/>
+            <a:ext cx="2156360" cy="338554"/>
+          </a:xfrm>
+          <a:prstGeom prst="rect">
+            <a:avLst/>
+          </a:prstGeom>
+          <a:noFill/>
+        </p:spPr>
+        <p:txBody>
+          <a:bodyPr wrap="none" rtlCol="0">
+            <a:spAutoFit/>
+          </a:bodyPr>
+          <a:lstStyle/>
+          <a:p>
+            <a:pPr algn="ctr"/>
+            <a:r>
+              <a:rPr lang="en-US" sz="1600" dirty="0"/>
+              <a:t>Deconvolution Output</a:t>
+            </a:r>
+          </a:p>
+        </p:txBody>
+      </p:sp>
+      <p:cxnSp>
+        <p:nvCxnSpPr>
+          <p:cNvPr id="10" name="Connector: Elbow 9">
+            <a:extLst>
+              <a:ext uri="{FF2B5EF4-FFF2-40B4-BE49-F238E27FC236}">
+                <a16:creationId xmlns:a16="http://schemas.microsoft.com/office/drawing/2014/main" id="{9DB7134F-DC85-4684-9831-2DBC3C67D844}"/>
+              </a:ext>
+            </a:extLst>
+          </p:cNvPr>
+          <p:cNvCxnSpPr>
+            <a:cxnSpLocks/>
+            <a:stCxn id="4" idx="3"/>
+            <a:endCxn id="8" idx="1"/>
+          </p:cNvCxnSpPr>
+          <p:nvPr/>
+        </p:nvCxnSpPr>
+        <p:spPr>
+          <a:xfrm>
+            <a:off x="5336841" y="1773097"/>
+            <a:ext cx="1218317" cy="1457826"/>
+          </a:xfrm>
+          <a:prstGeom prst="bentConnector3">
+            <a:avLst>
+              <a:gd name="adj1" fmla="val 50000"/>
+            </a:avLst>
+          </a:prstGeom>
+          <a:ln w="57150">
+            <a:solidFill>
+              <a:schemeClr val="tx1"/>
+            </a:solidFill>
+            <a:tailEnd type="triangle"/>
+          </a:ln>
+        </p:spPr>
+        <p:style>
+          <a:lnRef idx="1">
+            <a:schemeClr val="accent1"/>
+          </a:lnRef>
+          <a:fillRef idx="0">
+            <a:schemeClr val="accent1"/>
+          </a:fillRef>
+          <a:effectRef idx="0">
+            <a:schemeClr val="accent1"/>
+          </a:effectRef>
+          <a:fontRef idx="minor">
+            <a:schemeClr val="tx1"/>
+          </a:fontRef>
+        </p:style>
+      </p:cxnSp>
+      <p:cxnSp>
+        <p:nvCxnSpPr>
+          <p:cNvPr id="11" name="Connector: Elbow 10">
+            <a:extLst>
+              <a:ext uri="{FF2B5EF4-FFF2-40B4-BE49-F238E27FC236}">
+                <a16:creationId xmlns:a16="http://schemas.microsoft.com/office/drawing/2014/main" id="{BC662851-D75A-4E19-B14E-E56F5DA297FB}"/>
+              </a:ext>
+            </a:extLst>
+          </p:cNvPr>
+          <p:cNvCxnSpPr>
+            <a:cxnSpLocks/>
+            <a:stCxn id="6" idx="3"/>
+            <a:endCxn id="8" idx="1"/>
+          </p:cNvCxnSpPr>
+          <p:nvPr/>
+        </p:nvCxnSpPr>
+        <p:spPr>
+          <a:xfrm flipV="1">
+            <a:off x="5332042" y="3230923"/>
+            <a:ext cx="1223116" cy="1407696"/>
+          </a:xfrm>
+          <a:prstGeom prst="bentConnector3">
+            <a:avLst>
+              <a:gd name="adj1" fmla="val 50000"/>
+            </a:avLst>
+          </a:prstGeom>
+          <a:ln w="57150">
+            <a:solidFill>
+              <a:schemeClr val="tx1"/>
+            </a:solidFill>
+            <a:tailEnd type="triangle"/>
+          </a:ln>
+        </p:spPr>
+        <p:style>
+          <a:lnRef idx="1">
+            <a:schemeClr val="accent1"/>
+          </a:lnRef>
+          <a:fillRef idx="0">
+            <a:schemeClr val="accent1"/>
+          </a:fillRef>
+          <a:effectRef idx="0">
+            <a:schemeClr val="accent1"/>
+          </a:effectRef>
+          <a:fontRef idx="minor">
+            <a:schemeClr val="tx1"/>
+          </a:fontRef>
+        </p:style>
+      </p:cxnSp>
+    </p:spTree>
+    <p:extLst>
+      <p:ext uri="{BB962C8B-B14F-4D97-AF65-F5344CB8AC3E}">
+        <p14:creationId xmlns:p14="http://schemas.microsoft.com/office/powerpoint/2010/main" val="975405624"/>
+      </p:ext>
+    </p:extLst>
+  </p:cSld>
+  <p:clrMapOvr>
+    <a:masterClrMapping/>
+  </p:clrMapOvr>
+</p:sld>
+</file>
+
 <file path=ppt/theme/theme1.xml><?xml version="1.0" encoding="utf-8"?>
 <a:theme xmlns:a="http://schemas.openxmlformats.org/drawingml/2006/main" name="Office Theme">
   <a:themeElements>
